--- a/mysite5-guestbook 시퀀스 다이어그램.pptx
+++ b/mysite5-guestbook 시퀀스 다이어그램.pptx
@@ -2,7 +2,7 @@
 <file path=ppt/presentation.xml><?xml version="1.0" encoding="utf-8"?>
 <p:presentation xmlns:r="http://schemas.openxmlformats.org/officeDocument/2006/relationships" xmlns:c="http://schemas.openxmlformats.org/drawingml/2006/chart" xmlns:a="http://schemas.openxmlformats.org/drawingml/2006/main" xmlns:dgm="http://schemas.openxmlformats.org/drawingml/2006/diagram" xmlns:dsp="http://schemas.microsoft.com/office/drawing/2008/diagram" xmlns:p="http://schemas.openxmlformats.org/presentationml/2006/main" saveSubsetFonts="1">
   <p:sldMasterIdLst>
-    <p:sldMasterId id="2147483732" r:id="rId1"/>
+    <p:sldMasterId id="2147483733" r:id="rId1"/>
   </p:sldMasterIdLst>
   <p:sldIdLst>
     <p:sldId id="256" r:id="rId2"/>
@@ -8712,7 +8712,7 @@
         <p:spPr>
           <a:xfrm>
             <a:off x="10220035" y="15650157"/>
-            <a:ext cx="3248685" cy="1150039"/>
+            <a:ext cx="3248685" cy="1150040"/>
           </a:xfrm>
           <a:prstGeom prst="rect">
             <a:avLst/>
@@ -9438,6 +9438,240 @@
           </a:fontRef>
         </p:style>
       </p:cxnSp>
+      <p:sp>
+        <p:nvSpPr>
+          <p:cNvPr id="570" name="TextBox 319"/>
+          <p:cNvSpPr txBox="1"/>
+          <p:nvPr/>
+        </p:nvSpPr>
+        <p:spPr>
+          <a:xfrm>
+            <a:off x="13826544" y="6953250"/>
+            <a:ext cx="2974164" cy="363856"/>
+          </a:xfrm>
+          <a:prstGeom prst="rect">
+            <a:avLst/>
+          </a:prstGeom>
+          <a:noFill/>
+        </p:spPr>
+        <p:txBody>
+          <a:bodyPr wrap="square">
+            <a:spAutoFit/>
+          </a:bodyPr>
+          <a:lstStyle/>
+          <a:p>
+            <a:pPr algn="ctr" eaLnBrk="1" latinLnBrk="1" hangingPunct="1">
+              <a:defRPr lang="ko-KR"/>
+            </a:pPr>
+            <a:r>
+              <a:rPr lang="en-US" altLang="ko-KR" b="1">
+                <a:latin typeface="+mn-ea"/>
+                <a:ea typeface="+mn-ea"/>
+              </a:rPr>
+              <a:t>GuestVo</a:t>
+            </a:r>
+            <a:endParaRPr lang="en-US" altLang="ko-KR" b="1">
+              <a:latin typeface="+mn-ea"/>
+              <a:ea typeface="+mn-ea"/>
+            </a:endParaRPr>
+          </a:p>
+        </p:txBody>
+      </p:sp>
+      <p:sp>
+        <p:nvSpPr>
+          <p:cNvPr id="571" name="TextBox 319"/>
+          <p:cNvSpPr txBox="1"/>
+          <p:nvPr/>
+        </p:nvSpPr>
+        <p:spPr>
+          <a:xfrm>
+            <a:off x="17555580" y="6896100"/>
+            <a:ext cx="2974164" cy="363856"/>
+          </a:xfrm>
+          <a:prstGeom prst="rect">
+            <a:avLst/>
+          </a:prstGeom>
+          <a:noFill/>
+        </p:spPr>
+        <p:txBody>
+          <a:bodyPr wrap="square">
+            <a:spAutoFit/>
+          </a:bodyPr>
+          <a:lstStyle/>
+          <a:p>
+            <a:pPr algn="ctr" eaLnBrk="1" latinLnBrk="1" hangingPunct="1">
+              <a:defRPr lang="ko-KR"/>
+            </a:pPr>
+            <a:r>
+              <a:rPr lang="en-US" altLang="ko-KR" b="1">
+                <a:latin typeface="+mn-ea"/>
+                <a:ea typeface="+mn-ea"/>
+              </a:rPr>
+              <a:t>GuestVo</a:t>
+            </a:r>
+            <a:endParaRPr lang="en-US" altLang="ko-KR" b="1">
+              <a:latin typeface="+mn-ea"/>
+              <a:ea typeface="+mn-ea"/>
+            </a:endParaRPr>
+          </a:p>
+        </p:txBody>
+      </p:sp>
+      <p:sp>
+        <p:nvSpPr>
+          <p:cNvPr id="572" name="TextBox 319"/>
+          <p:cNvSpPr txBox="1"/>
+          <p:nvPr/>
+        </p:nvSpPr>
+        <p:spPr>
+          <a:xfrm>
+            <a:off x="20975056" y="6962775"/>
+            <a:ext cx="2974164" cy="363856"/>
+          </a:xfrm>
+          <a:prstGeom prst="rect">
+            <a:avLst/>
+          </a:prstGeom>
+          <a:noFill/>
+        </p:spPr>
+        <p:txBody>
+          <a:bodyPr wrap="square">
+            <a:spAutoFit/>
+          </a:bodyPr>
+          <a:lstStyle/>
+          <a:p>
+            <a:pPr algn="ctr" eaLnBrk="1" latinLnBrk="1" hangingPunct="1">
+              <a:defRPr lang="ko-KR"/>
+            </a:pPr>
+            <a:r>
+              <a:rPr lang="en-US" altLang="ko-KR" b="1">
+                <a:latin typeface="+mn-ea"/>
+                <a:ea typeface="+mn-ea"/>
+              </a:rPr>
+              <a:t>GuestVo</a:t>
+            </a:r>
+            <a:endParaRPr lang="en-US" altLang="ko-KR" b="1">
+              <a:latin typeface="+mn-ea"/>
+              <a:ea typeface="+mn-ea"/>
+            </a:endParaRPr>
+          </a:p>
+        </p:txBody>
+      </p:sp>
+      <p:sp>
+        <p:nvSpPr>
+          <p:cNvPr id="573" name="TextBox 319"/>
+          <p:cNvSpPr txBox="1"/>
+          <p:nvPr/>
+        </p:nvSpPr>
+        <p:spPr>
+          <a:xfrm>
+            <a:off x="13907504" y="16463962"/>
+            <a:ext cx="2974164" cy="364808"/>
+          </a:xfrm>
+          <a:prstGeom prst="rect">
+            <a:avLst/>
+          </a:prstGeom>
+          <a:noFill/>
+        </p:spPr>
+        <p:txBody>
+          <a:bodyPr wrap="square">
+            <a:spAutoFit/>
+          </a:bodyPr>
+          <a:lstStyle/>
+          <a:p>
+            <a:pPr algn="ctr" eaLnBrk="1" latinLnBrk="1" hangingPunct="1">
+              <a:defRPr lang="ko-KR"/>
+            </a:pPr>
+            <a:r>
+              <a:rPr lang="en-US" altLang="ko-KR" b="1">
+                <a:latin typeface="+mn-ea"/>
+                <a:ea typeface="+mn-ea"/>
+              </a:rPr>
+              <a:t>GuestVo</a:t>
+            </a:r>
+            <a:endParaRPr lang="en-US" altLang="ko-KR" b="1">
+              <a:latin typeface="+mn-ea"/>
+              <a:ea typeface="+mn-ea"/>
+            </a:endParaRPr>
+          </a:p>
+        </p:txBody>
+      </p:sp>
+      <p:sp>
+        <p:nvSpPr>
+          <p:cNvPr id="574" name="TextBox 319"/>
+          <p:cNvSpPr txBox="1"/>
+          <p:nvPr/>
+        </p:nvSpPr>
+        <p:spPr>
+          <a:xfrm>
+            <a:off x="17822280" y="16449673"/>
+            <a:ext cx="2974164" cy="364807"/>
+          </a:xfrm>
+          <a:prstGeom prst="rect">
+            <a:avLst/>
+          </a:prstGeom>
+          <a:noFill/>
+        </p:spPr>
+        <p:txBody>
+          <a:bodyPr wrap="square">
+            <a:spAutoFit/>
+          </a:bodyPr>
+          <a:lstStyle/>
+          <a:p>
+            <a:pPr algn="ctr" eaLnBrk="1" latinLnBrk="1" hangingPunct="1">
+              <a:defRPr lang="ko-KR"/>
+            </a:pPr>
+            <a:r>
+              <a:rPr lang="en-US" altLang="ko-KR" b="1">
+                <a:latin typeface="+mn-ea"/>
+                <a:ea typeface="+mn-ea"/>
+              </a:rPr>
+              <a:t>GuestVo</a:t>
+            </a:r>
+            <a:endParaRPr lang="en-US" altLang="ko-KR" b="1">
+              <a:latin typeface="+mn-ea"/>
+              <a:ea typeface="+mn-ea"/>
+            </a:endParaRPr>
+          </a:p>
+        </p:txBody>
+      </p:sp>
+      <p:sp>
+        <p:nvSpPr>
+          <p:cNvPr id="575" name="TextBox 319"/>
+          <p:cNvSpPr txBox="1"/>
+          <p:nvPr/>
+        </p:nvSpPr>
+        <p:spPr>
+          <a:xfrm>
+            <a:off x="21046492" y="16530638"/>
+            <a:ext cx="2974164" cy="364810"/>
+          </a:xfrm>
+          <a:prstGeom prst="rect">
+            <a:avLst/>
+          </a:prstGeom>
+          <a:noFill/>
+        </p:spPr>
+        <p:txBody>
+          <a:bodyPr wrap="square">
+            <a:spAutoFit/>
+          </a:bodyPr>
+          <a:lstStyle/>
+          <a:p>
+            <a:pPr algn="ctr" eaLnBrk="1" latinLnBrk="1" hangingPunct="1">
+              <a:defRPr lang="ko-KR"/>
+            </a:pPr>
+            <a:r>
+              <a:rPr lang="en-US" altLang="ko-KR" b="1">
+                <a:latin typeface="+mn-ea"/>
+                <a:ea typeface="+mn-ea"/>
+              </a:rPr>
+              <a:t>GuestVo</a:t>
+            </a:r>
+            <a:endParaRPr lang="en-US" altLang="ko-KR" b="1">
+              <a:latin typeface="+mn-ea"/>
+              <a:ea typeface="+mn-ea"/>
+            </a:endParaRPr>
+          </a:p>
+        </p:txBody>
+      </p:sp>
     </p:spTree>
   </p:cSld>
   <p:clrMapOvr>
